--- a/doc/03_Technischer_Bericht_Teil_2/03_Domain Analyse/Design/layout_final.pptx
+++ b/doc/03_Technischer_Bericht_Teil_2/03_Domain Analyse/Design/layout_final.pptx
@@ -8,6 +8,7 @@
     <p:sldId id="256" r:id="rId2"/>
     <p:sldId id="257" r:id="rId3"/>
     <p:sldId id="258" r:id="rId4"/>
+    <p:sldId id="259" r:id="rId5"/>
   </p:sldIdLst>
   <p:sldSz cx="9144000" cy="6858000" type="screen4x3"/>
   <p:notesSz cx="6858000" cy="9144000"/>
@@ -290,7 +291,7 @@
           <a:p>
             <a:fld id="{A16A3DA8-DFD9-4A2F-8B47-6CCD6E299A2E}" type="datetimeFigureOut">
               <a:rPr lang="de-CH" smtClean="0"/>
-              <a:t>07.11.2011</a:t>
+              <a:t>11.11.2011</a:t>
             </a:fld>
             <a:endParaRPr lang="de-CH"/>
           </a:p>
@@ -460,7 +461,7 @@
           <a:p>
             <a:fld id="{A16A3DA8-DFD9-4A2F-8B47-6CCD6E299A2E}" type="datetimeFigureOut">
               <a:rPr lang="de-CH" smtClean="0"/>
-              <a:t>07.11.2011</a:t>
+              <a:t>11.11.2011</a:t>
             </a:fld>
             <a:endParaRPr lang="de-CH"/>
           </a:p>
@@ -640,7 +641,7 @@
           <a:p>
             <a:fld id="{A16A3DA8-DFD9-4A2F-8B47-6CCD6E299A2E}" type="datetimeFigureOut">
               <a:rPr lang="de-CH" smtClean="0"/>
-              <a:t>07.11.2011</a:t>
+              <a:t>11.11.2011</a:t>
             </a:fld>
             <a:endParaRPr lang="de-CH"/>
           </a:p>
@@ -810,7 +811,7 @@
           <a:p>
             <a:fld id="{A16A3DA8-DFD9-4A2F-8B47-6CCD6E299A2E}" type="datetimeFigureOut">
               <a:rPr lang="de-CH" smtClean="0"/>
-              <a:t>07.11.2011</a:t>
+              <a:t>11.11.2011</a:t>
             </a:fld>
             <a:endParaRPr lang="de-CH"/>
           </a:p>
@@ -1056,7 +1057,7 @@
           <a:p>
             <a:fld id="{A16A3DA8-DFD9-4A2F-8B47-6CCD6E299A2E}" type="datetimeFigureOut">
               <a:rPr lang="de-CH" smtClean="0"/>
-              <a:t>07.11.2011</a:t>
+              <a:t>11.11.2011</a:t>
             </a:fld>
             <a:endParaRPr lang="de-CH"/>
           </a:p>
@@ -1344,7 +1345,7 @@
           <a:p>
             <a:fld id="{A16A3DA8-DFD9-4A2F-8B47-6CCD6E299A2E}" type="datetimeFigureOut">
               <a:rPr lang="de-CH" smtClean="0"/>
-              <a:t>07.11.2011</a:t>
+              <a:t>11.11.2011</a:t>
             </a:fld>
             <a:endParaRPr lang="de-CH"/>
           </a:p>
@@ -1766,7 +1767,7 @@
           <a:p>
             <a:fld id="{A16A3DA8-DFD9-4A2F-8B47-6CCD6E299A2E}" type="datetimeFigureOut">
               <a:rPr lang="de-CH" smtClean="0"/>
-              <a:t>07.11.2011</a:t>
+              <a:t>11.11.2011</a:t>
             </a:fld>
             <a:endParaRPr lang="de-CH"/>
           </a:p>
@@ -1884,7 +1885,7 @@
           <a:p>
             <a:fld id="{A16A3DA8-DFD9-4A2F-8B47-6CCD6E299A2E}" type="datetimeFigureOut">
               <a:rPr lang="de-CH" smtClean="0"/>
-              <a:t>07.11.2011</a:t>
+              <a:t>11.11.2011</a:t>
             </a:fld>
             <a:endParaRPr lang="de-CH"/>
           </a:p>
@@ -1979,7 +1980,7 @@
           <a:p>
             <a:fld id="{A16A3DA8-DFD9-4A2F-8B47-6CCD6E299A2E}" type="datetimeFigureOut">
               <a:rPr lang="de-CH" smtClean="0"/>
-              <a:t>07.11.2011</a:t>
+              <a:t>11.11.2011</a:t>
             </a:fld>
             <a:endParaRPr lang="de-CH"/>
           </a:p>
@@ -2256,7 +2257,7 @@
           <a:p>
             <a:fld id="{A16A3DA8-DFD9-4A2F-8B47-6CCD6E299A2E}" type="datetimeFigureOut">
               <a:rPr lang="de-CH" smtClean="0"/>
-              <a:t>07.11.2011</a:t>
+              <a:t>11.11.2011</a:t>
             </a:fld>
             <a:endParaRPr lang="de-CH"/>
           </a:p>
@@ -2509,7 +2510,7 @@
           <a:p>
             <a:fld id="{A16A3DA8-DFD9-4A2F-8B47-6CCD6E299A2E}" type="datetimeFigureOut">
               <a:rPr lang="de-CH" smtClean="0"/>
-              <a:t>07.11.2011</a:t>
+              <a:t>11.11.2011</a:t>
             </a:fld>
             <a:endParaRPr lang="de-CH"/>
           </a:p>
@@ -2722,7 +2723,7 @@
           <a:p>
             <a:fld id="{A16A3DA8-DFD9-4A2F-8B47-6CCD6E299A2E}" type="datetimeFigureOut">
               <a:rPr lang="de-CH" smtClean="0"/>
-              <a:t>07.11.2011</a:t>
+              <a:t>11.11.2011</a:t>
             </a:fld>
             <a:endParaRPr lang="de-CH"/>
           </a:p>
@@ -3166,7 +3167,7 @@
         <p:spPr>
           <a:xfrm>
             <a:off x="0" y="857250"/>
-            <a:ext cx="9144000" cy="5143500"/>
+            <a:ext cx="9143999" cy="5143500"/>
           </a:xfrm>
           <a:prstGeom prst="rect">
             <a:avLst/>
@@ -3279,7 +3280,7 @@
         <p:spPr>
           <a:xfrm>
             <a:off x="0" y="857250"/>
-            <a:ext cx="9143999" cy="5143500"/>
+            <a:ext cx="9143999" cy="5143499"/>
           </a:xfrm>
           <a:prstGeom prst="rect">
             <a:avLst/>
@@ -3391,8 +3392,8 @@
         </p:blipFill>
         <p:spPr>
           <a:xfrm>
-            <a:off x="0" y="857250"/>
-            <a:ext cx="9143999" cy="5143499"/>
+            <a:off x="1" y="857250"/>
+            <a:ext cx="9143997" cy="5143499"/>
           </a:xfrm>
           <a:prstGeom prst="rect">
             <a:avLst/>
@@ -3403,6 +3404,119 @@
     <p:extLst>
       <p:ext uri="{BB962C8B-B14F-4D97-AF65-F5344CB8AC3E}">
         <p14:creationId xmlns:p14="http://schemas.microsoft.com/office/powerpoint/2010/main" val="1481890825"/>
+      </p:ext>
+    </p:extLst>
+  </p:cSld>
+  <p:clrMapOvr>
+    <a:masterClrMapping/>
+  </p:clrMapOvr>
+  <p:timing>
+    <p:tnLst>
+      <p:par>
+        <p:cTn id="1" dur="indefinite" restart="never" nodeType="tmRoot"/>
+      </p:par>
+    </p:tnLst>
+  </p:timing>
+</p:sld>
+</file>
+
+<file path=ppt/slides/slide4.xml><?xml version="1.0" encoding="utf-8"?>
+<p:sld xmlns:a="http://schemas.openxmlformats.org/drawingml/2006/main" xmlns:r="http://schemas.openxmlformats.org/officeDocument/2006/relationships" xmlns:p="http://schemas.openxmlformats.org/presentationml/2006/main">
+  <p:cSld>
+    <p:bg>
+      <p:bgPr>
+        <a:solidFill>
+          <a:schemeClr val="tx1"/>
+        </a:solidFill>
+        <a:effectLst/>
+      </p:bgPr>
+    </p:bg>
+    <p:spTree>
+      <p:nvGrpSpPr>
+        <p:cNvPr id="1" name=""/>
+        <p:cNvGrpSpPr/>
+        <p:nvPr/>
+      </p:nvGrpSpPr>
+      <p:grpSpPr>
+        <a:xfrm>
+          <a:off x="0" y="0"/>
+          <a:ext cx="0" cy="0"/>
+          <a:chOff x="0" y="0"/>
+          <a:chExt cx="0" cy="0"/>
+        </a:xfrm>
+      </p:grpSpPr>
+      <p:sp>
+        <p:nvSpPr>
+          <p:cNvPr id="2" name="Title 1"/>
+          <p:cNvSpPr>
+            <a:spLocks noGrp="1"/>
+          </p:cNvSpPr>
+          <p:nvPr>
+            <p:ph type="ctrTitle"/>
+          </p:nvPr>
+        </p:nvSpPr>
+        <p:spPr/>
+        <p:txBody>
+          <a:bodyPr/>
+          <a:lstStyle/>
+          <a:p>
+            <a:endParaRPr lang="de-CH"/>
+          </a:p>
+        </p:txBody>
+      </p:sp>
+      <p:sp>
+        <p:nvSpPr>
+          <p:cNvPr id="3" name="Subtitle 2"/>
+          <p:cNvSpPr>
+            <a:spLocks noGrp="1"/>
+          </p:cNvSpPr>
+          <p:nvPr>
+            <p:ph type="subTitle" idx="1"/>
+          </p:nvPr>
+        </p:nvSpPr>
+        <p:spPr/>
+        <p:txBody>
+          <a:bodyPr/>
+          <a:lstStyle/>
+          <a:p>
+            <a:endParaRPr lang="de-CH"/>
+          </a:p>
+        </p:txBody>
+      </p:sp>
+      <p:pic>
+        <p:nvPicPr>
+          <p:cNvPr id="4" name="Picture 3"/>
+          <p:cNvPicPr>
+            <a:picLocks noChangeAspect="1"/>
+          </p:cNvPicPr>
+          <p:nvPr/>
+        </p:nvPicPr>
+        <p:blipFill>
+          <a:blip r:embed="rId2">
+            <a:extLst>
+              <a:ext uri="{28A0092B-C50C-407E-A947-70E740481C1C}">
+                <a14:useLocalDpi xmlns:a14="http://schemas.microsoft.com/office/drawing/2010/main" val="0"/>
+              </a:ext>
+            </a:extLst>
+          </a:blip>
+          <a:stretch>
+            <a:fillRect/>
+          </a:stretch>
+        </p:blipFill>
+        <p:spPr>
+          <a:xfrm>
+            <a:off x="1" y="857250"/>
+            <a:ext cx="9143997" cy="5143498"/>
+          </a:xfrm>
+          <a:prstGeom prst="rect">
+            <a:avLst/>
+          </a:prstGeom>
+        </p:spPr>
+      </p:pic>
+    </p:spTree>
+    <p:extLst>
+      <p:ext uri="{BB962C8B-B14F-4D97-AF65-F5344CB8AC3E}">
+        <p14:creationId xmlns:p14="http://schemas.microsoft.com/office/powerpoint/2010/main" val="1185922934"/>
       </p:ext>
     </p:extLst>
   </p:cSld>
